--- a/ppt 16-9/0421.你在哪里.pptx
+++ b/ppt 16-9/0421.你在哪里.pptx
@@ -129,7 +129,7 @@
           <p:cNvPr id="2" name="标题 1">
             <a:extLst>
               <a:ext uri="{FF2B5EF4-FFF2-40B4-BE49-F238E27FC236}">
-                <a16:creationId xmlns:a16="http://schemas.microsoft.com/office/drawing/2014/main" id="{DA9F1771-6D83-42C0-5780-8A6EDC62DC91}"/>
+                <a16:creationId xmlns:a16="http://schemas.microsoft.com/office/drawing/2014/main" id="{D911451D-1350-7A97-C278-27F8745FF75C}"/>
               </a:ext>
             </a:extLst>
           </p:cNvPr>
@@ -166,7 +166,7 @@
           <p:cNvPr id="3" name="副标题 2">
             <a:extLst>
               <a:ext uri="{FF2B5EF4-FFF2-40B4-BE49-F238E27FC236}">
-                <a16:creationId xmlns:a16="http://schemas.microsoft.com/office/drawing/2014/main" id="{277179E5-8008-5155-3AB9-30216ACDDD20}"/>
+                <a16:creationId xmlns:a16="http://schemas.microsoft.com/office/drawing/2014/main" id="{02F5C6AD-3564-4C75-E794-2C9CDFF4B94D}"/>
               </a:ext>
             </a:extLst>
           </p:cNvPr>
@@ -236,7 +236,7 @@
           <p:cNvPr id="4" name="日期占位符 3">
             <a:extLst>
               <a:ext uri="{FF2B5EF4-FFF2-40B4-BE49-F238E27FC236}">
-                <a16:creationId xmlns:a16="http://schemas.microsoft.com/office/drawing/2014/main" id="{3CD667A9-6AE0-EA39-8196-0D5774FF04D7}"/>
+                <a16:creationId xmlns:a16="http://schemas.microsoft.com/office/drawing/2014/main" id="{DD02B56E-3FFA-8200-C3A3-8F4E28145E37}"/>
               </a:ext>
             </a:extLst>
           </p:cNvPr>
@@ -252,7 +252,7 @@
           <a:bodyPr/>
           <a:lstStyle/>
           <a:p>
-            <a:fld id="{0F2E3269-E4FB-457F-AFDB-F5A6DAE00073}" type="datetimeFigureOut">
+            <a:fld id="{0F4EF38C-B337-4F1D-ABAA-07250A91FE0A}" type="datetimeFigureOut">
               <a:rPr lang="zh-CN" altLang="en-US" smtClean="0"/>
               <a:t>2024/3/10</a:t>
             </a:fld>
@@ -265,7 +265,7 @@
           <p:cNvPr id="5" name="页脚占位符 4">
             <a:extLst>
               <a:ext uri="{FF2B5EF4-FFF2-40B4-BE49-F238E27FC236}">
-                <a16:creationId xmlns:a16="http://schemas.microsoft.com/office/drawing/2014/main" id="{372E53A7-101F-5B36-C87C-0DEBC3D64297}"/>
+                <a16:creationId xmlns:a16="http://schemas.microsoft.com/office/drawing/2014/main" id="{AEB921BA-CC71-C4A7-CF00-DBCBD7CE76A5}"/>
               </a:ext>
             </a:extLst>
           </p:cNvPr>
@@ -290,7 +290,7 @@
           <p:cNvPr id="6" name="灯片编号占位符 5">
             <a:extLst>
               <a:ext uri="{FF2B5EF4-FFF2-40B4-BE49-F238E27FC236}">
-                <a16:creationId xmlns:a16="http://schemas.microsoft.com/office/drawing/2014/main" id="{4C685763-EC6A-C797-BFDF-592BFFE4FECD}"/>
+                <a16:creationId xmlns:a16="http://schemas.microsoft.com/office/drawing/2014/main" id="{B00589B4-8DCC-89D9-AD08-223595DD99E2}"/>
               </a:ext>
             </a:extLst>
           </p:cNvPr>
@@ -306,7 +306,7 @@
           <a:bodyPr/>
           <a:lstStyle/>
           <a:p>
-            <a:fld id="{4118B861-56E0-4DD6-ACF2-1DBBB3A256F3}" type="slidenum">
+            <a:fld id="{9EDD6FB1-2DF4-4075-90AE-DF2CE252F62D}" type="slidenum">
               <a:rPr lang="zh-CN" altLang="en-US" smtClean="0"/>
               <a:t>‹#›</a:t>
             </a:fld>
@@ -317,7 +317,7 @@
     </p:spTree>
     <p:extLst>
       <p:ext uri="{BB962C8B-B14F-4D97-AF65-F5344CB8AC3E}">
-        <p14:creationId xmlns:p14="http://schemas.microsoft.com/office/powerpoint/2010/main" val="436055544"/>
+        <p14:creationId xmlns:p14="http://schemas.microsoft.com/office/powerpoint/2010/main" val="460098514"/>
       </p:ext>
     </p:extLst>
   </p:cSld>
@@ -349,7 +349,7 @@
           <p:cNvPr id="2" name="标题 1">
             <a:extLst>
               <a:ext uri="{FF2B5EF4-FFF2-40B4-BE49-F238E27FC236}">
-                <a16:creationId xmlns:a16="http://schemas.microsoft.com/office/drawing/2014/main" id="{0362092D-1501-56F4-A8CD-86BC2F328EFF}"/>
+                <a16:creationId xmlns:a16="http://schemas.microsoft.com/office/drawing/2014/main" id="{8FA19504-E1AD-A972-B21F-1FBA35ED9E60}"/>
               </a:ext>
             </a:extLst>
           </p:cNvPr>
@@ -377,7 +377,7 @@
           <p:cNvPr id="3" name="竖排文字占位符 2">
             <a:extLst>
               <a:ext uri="{FF2B5EF4-FFF2-40B4-BE49-F238E27FC236}">
-                <a16:creationId xmlns:a16="http://schemas.microsoft.com/office/drawing/2014/main" id="{825DBD0A-B273-A9EF-7A5B-88A6E82ACD6E}"/>
+                <a16:creationId xmlns:a16="http://schemas.microsoft.com/office/drawing/2014/main" id="{44E0823E-B866-2EEF-3A40-E4E118045C4B}"/>
               </a:ext>
             </a:extLst>
           </p:cNvPr>
@@ -434,7 +434,7 @@
           <p:cNvPr id="4" name="日期占位符 3">
             <a:extLst>
               <a:ext uri="{FF2B5EF4-FFF2-40B4-BE49-F238E27FC236}">
-                <a16:creationId xmlns:a16="http://schemas.microsoft.com/office/drawing/2014/main" id="{80FDFED4-42A4-762A-7166-71969E0EC0EE}"/>
+                <a16:creationId xmlns:a16="http://schemas.microsoft.com/office/drawing/2014/main" id="{6C7C4E2D-2392-C074-1A62-2CEF697B45FB}"/>
               </a:ext>
             </a:extLst>
           </p:cNvPr>
@@ -450,7 +450,7 @@
           <a:bodyPr/>
           <a:lstStyle/>
           <a:p>
-            <a:fld id="{0F2E3269-E4FB-457F-AFDB-F5A6DAE00073}" type="datetimeFigureOut">
+            <a:fld id="{0F4EF38C-B337-4F1D-ABAA-07250A91FE0A}" type="datetimeFigureOut">
               <a:rPr lang="zh-CN" altLang="en-US" smtClean="0"/>
               <a:t>2024/3/10</a:t>
             </a:fld>
@@ -463,7 +463,7 @@
           <p:cNvPr id="5" name="页脚占位符 4">
             <a:extLst>
               <a:ext uri="{FF2B5EF4-FFF2-40B4-BE49-F238E27FC236}">
-                <a16:creationId xmlns:a16="http://schemas.microsoft.com/office/drawing/2014/main" id="{07208CEF-5D89-B57B-93F1-C2C8430B39FF}"/>
+                <a16:creationId xmlns:a16="http://schemas.microsoft.com/office/drawing/2014/main" id="{F4179851-41A4-AF79-FF97-0942ED0EED0D}"/>
               </a:ext>
             </a:extLst>
           </p:cNvPr>
@@ -488,7 +488,7 @@
           <p:cNvPr id="6" name="灯片编号占位符 5">
             <a:extLst>
               <a:ext uri="{FF2B5EF4-FFF2-40B4-BE49-F238E27FC236}">
-                <a16:creationId xmlns:a16="http://schemas.microsoft.com/office/drawing/2014/main" id="{E8DB0DF0-11DF-CCD1-6DEE-1B68324E4BF0}"/>
+                <a16:creationId xmlns:a16="http://schemas.microsoft.com/office/drawing/2014/main" id="{E2CFF432-EDA4-32EF-32BD-3BE80A109A46}"/>
               </a:ext>
             </a:extLst>
           </p:cNvPr>
@@ -504,7 +504,7 @@
           <a:bodyPr/>
           <a:lstStyle/>
           <a:p>
-            <a:fld id="{4118B861-56E0-4DD6-ACF2-1DBBB3A256F3}" type="slidenum">
+            <a:fld id="{9EDD6FB1-2DF4-4075-90AE-DF2CE252F62D}" type="slidenum">
               <a:rPr lang="zh-CN" altLang="en-US" smtClean="0"/>
               <a:t>‹#›</a:t>
             </a:fld>
@@ -515,7 +515,7 @@
     </p:spTree>
     <p:extLst>
       <p:ext uri="{BB962C8B-B14F-4D97-AF65-F5344CB8AC3E}">
-        <p14:creationId xmlns:p14="http://schemas.microsoft.com/office/powerpoint/2010/main" val="4029011209"/>
+        <p14:creationId xmlns:p14="http://schemas.microsoft.com/office/powerpoint/2010/main" val="3767698681"/>
       </p:ext>
     </p:extLst>
   </p:cSld>
@@ -547,7 +547,7 @@
           <p:cNvPr id="2" name="竖排标题 1">
             <a:extLst>
               <a:ext uri="{FF2B5EF4-FFF2-40B4-BE49-F238E27FC236}">
-                <a16:creationId xmlns:a16="http://schemas.microsoft.com/office/drawing/2014/main" id="{13532B60-6B49-7740-61A3-6076D0BD534E}"/>
+                <a16:creationId xmlns:a16="http://schemas.microsoft.com/office/drawing/2014/main" id="{EADA0109-F385-3574-7823-3A98F86BB029}"/>
               </a:ext>
             </a:extLst>
           </p:cNvPr>
@@ -580,7 +580,7 @@
           <p:cNvPr id="3" name="竖排文字占位符 2">
             <a:extLst>
               <a:ext uri="{FF2B5EF4-FFF2-40B4-BE49-F238E27FC236}">
-                <a16:creationId xmlns:a16="http://schemas.microsoft.com/office/drawing/2014/main" id="{F7FF26C7-49C7-229E-8B7D-44C442648F3A}"/>
+                <a16:creationId xmlns:a16="http://schemas.microsoft.com/office/drawing/2014/main" id="{A9015A96-E3E2-346A-0A94-048B4EF6FE52}"/>
               </a:ext>
             </a:extLst>
           </p:cNvPr>
@@ -642,7 +642,7 @@
           <p:cNvPr id="4" name="日期占位符 3">
             <a:extLst>
               <a:ext uri="{FF2B5EF4-FFF2-40B4-BE49-F238E27FC236}">
-                <a16:creationId xmlns:a16="http://schemas.microsoft.com/office/drawing/2014/main" id="{8A15868C-ED77-7548-4CBA-09F7D56FD5B9}"/>
+                <a16:creationId xmlns:a16="http://schemas.microsoft.com/office/drawing/2014/main" id="{4E6E267A-3506-D6E9-2952-A0E34DC16A3C}"/>
               </a:ext>
             </a:extLst>
           </p:cNvPr>
@@ -658,7 +658,7 @@
           <a:bodyPr/>
           <a:lstStyle/>
           <a:p>
-            <a:fld id="{0F2E3269-E4FB-457F-AFDB-F5A6DAE00073}" type="datetimeFigureOut">
+            <a:fld id="{0F4EF38C-B337-4F1D-ABAA-07250A91FE0A}" type="datetimeFigureOut">
               <a:rPr lang="zh-CN" altLang="en-US" smtClean="0"/>
               <a:t>2024/3/10</a:t>
             </a:fld>
@@ -671,7 +671,7 @@
           <p:cNvPr id="5" name="页脚占位符 4">
             <a:extLst>
               <a:ext uri="{FF2B5EF4-FFF2-40B4-BE49-F238E27FC236}">
-                <a16:creationId xmlns:a16="http://schemas.microsoft.com/office/drawing/2014/main" id="{55572DD4-0FA3-04CC-D191-F791E6B3CA32}"/>
+                <a16:creationId xmlns:a16="http://schemas.microsoft.com/office/drawing/2014/main" id="{D13218EF-4FD3-86B2-94F5-B82FE818954B}"/>
               </a:ext>
             </a:extLst>
           </p:cNvPr>
@@ -696,7 +696,7 @@
           <p:cNvPr id="6" name="灯片编号占位符 5">
             <a:extLst>
               <a:ext uri="{FF2B5EF4-FFF2-40B4-BE49-F238E27FC236}">
-                <a16:creationId xmlns:a16="http://schemas.microsoft.com/office/drawing/2014/main" id="{48657104-1190-0BE3-20CA-DE72BB6AD2C9}"/>
+                <a16:creationId xmlns:a16="http://schemas.microsoft.com/office/drawing/2014/main" id="{04DA5FEB-B27C-650C-8A1E-D85D386D5E31}"/>
               </a:ext>
             </a:extLst>
           </p:cNvPr>
@@ -712,7 +712,7 @@
           <a:bodyPr/>
           <a:lstStyle/>
           <a:p>
-            <a:fld id="{4118B861-56E0-4DD6-ACF2-1DBBB3A256F3}" type="slidenum">
+            <a:fld id="{9EDD6FB1-2DF4-4075-90AE-DF2CE252F62D}" type="slidenum">
               <a:rPr lang="zh-CN" altLang="en-US" smtClean="0"/>
               <a:t>‹#›</a:t>
             </a:fld>
@@ -723,7 +723,7 @@
     </p:spTree>
     <p:extLst>
       <p:ext uri="{BB962C8B-B14F-4D97-AF65-F5344CB8AC3E}">
-        <p14:creationId xmlns:p14="http://schemas.microsoft.com/office/powerpoint/2010/main" val="3962640499"/>
+        <p14:creationId xmlns:p14="http://schemas.microsoft.com/office/powerpoint/2010/main" val="1659748755"/>
       </p:ext>
     </p:extLst>
   </p:cSld>
@@ -755,7 +755,7 @@
           <p:cNvPr id="2" name="标题 1">
             <a:extLst>
               <a:ext uri="{FF2B5EF4-FFF2-40B4-BE49-F238E27FC236}">
-                <a16:creationId xmlns:a16="http://schemas.microsoft.com/office/drawing/2014/main" id="{110F26CE-1D0D-A31F-46D5-407D730A58EE}"/>
+                <a16:creationId xmlns:a16="http://schemas.microsoft.com/office/drawing/2014/main" id="{1FD3E460-662E-CC15-5E24-325E26591499}"/>
               </a:ext>
             </a:extLst>
           </p:cNvPr>
@@ -783,7 +783,7 @@
           <p:cNvPr id="3" name="内容占位符 2">
             <a:extLst>
               <a:ext uri="{FF2B5EF4-FFF2-40B4-BE49-F238E27FC236}">
-                <a16:creationId xmlns:a16="http://schemas.microsoft.com/office/drawing/2014/main" id="{0181E186-FFB6-765C-B188-CA05E629009A}"/>
+                <a16:creationId xmlns:a16="http://schemas.microsoft.com/office/drawing/2014/main" id="{14BBB4A6-6758-F6F0-C5F8-490E8C85F33A}"/>
               </a:ext>
             </a:extLst>
           </p:cNvPr>
@@ -840,7 +840,7 @@
           <p:cNvPr id="4" name="日期占位符 3">
             <a:extLst>
               <a:ext uri="{FF2B5EF4-FFF2-40B4-BE49-F238E27FC236}">
-                <a16:creationId xmlns:a16="http://schemas.microsoft.com/office/drawing/2014/main" id="{4769B91B-BC40-3301-FB8D-AC6AF305A997}"/>
+                <a16:creationId xmlns:a16="http://schemas.microsoft.com/office/drawing/2014/main" id="{9825D6AC-8DA3-A8E8-B409-BADD03A33518}"/>
               </a:ext>
             </a:extLst>
           </p:cNvPr>
@@ -856,7 +856,7 @@
           <a:bodyPr/>
           <a:lstStyle/>
           <a:p>
-            <a:fld id="{0F2E3269-E4FB-457F-AFDB-F5A6DAE00073}" type="datetimeFigureOut">
+            <a:fld id="{0F4EF38C-B337-4F1D-ABAA-07250A91FE0A}" type="datetimeFigureOut">
               <a:rPr lang="zh-CN" altLang="en-US" smtClean="0"/>
               <a:t>2024/3/10</a:t>
             </a:fld>
@@ -869,7 +869,7 @@
           <p:cNvPr id="5" name="页脚占位符 4">
             <a:extLst>
               <a:ext uri="{FF2B5EF4-FFF2-40B4-BE49-F238E27FC236}">
-                <a16:creationId xmlns:a16="http://schemas.microsoft.com/office/drawing/2014/main" id="{45722250-8627-7F11-3EEF-DCCBA082C852}"/>
+                <a16:creationId xmlns:a16="http://schemas.microsoft.com/office/drawing/2014/main" id="{34D7D0E5-CD90-19B1-CD11-A216CE7D2EBD}"/>
               </a:ext>
             </a:extLst>
           </p:cNvPr>
@@ -894,7 +894,7 @@
           <p:cNvPr id="6" name="灯片编号占位符 5">
             <a:extLst>
               <a:ext uri="{FF2B5EF4-FFF2-40B4-BE49-F238E27FC236}">
-                <a16:creationId xmlns:a16="http://schemas.microsoft.com/office/drawing/2014/main" id="{F278936A-4AD2-FDC1-789F-14C89C6DD4A5}"/>
+                <a16:creationId xmlns:a16="http://schemas.microsoft.com/office/drawing/2014/main" id="{DE7B0844-3EB7-0FA2-EE38-6D82055004B6}"/>
               </a:ext>
             </a:extLst>
           </p:cNvPr>
@@ -910,7 +910,7 @@
           <a:bodyPr/>
           <a:lstStyle/>
           <a:p>
-            <a:fld id="{4118B861-56E0-4DD6-ACF2-1DBBB3A256F3}" type="slidenum">
+            <a:fld id="{9EDD6FB1-2DF4-4075-90AE-DF2CE252F62D}" type="slidenum">
               <a:rPr lang="zh-CN" altLang="en-US" smtClean="0"/>
               <a:t>‹#›</a:t>
             </a:fld>
@@ -921,7 +921,7 @@
     </p:spTree>
     <p:extLst>
       <p:ext uri="{BB962C8B-B14F-4D97-AF65-F5344CB8AC3E}">
-        <p14:creationId xmlns:p14="http://schemas.microsoft.com/office/powerpoint/2010/main" val="892544336"/>
+        <p14:creationId xmlns:p14="http://schemas.microsoft.com/office/powerpoint/2010/main" val="3307915717"/>
       </p:ext>
     </p:extLst>
   </p:cSld>
@@ -953,7 +953,7 @@
           <p:cNvPr id="2" name="标题 1">
             <a:extLst>
               <a:ext uri="{FF2B5EF4-FFF2-40B4-BE49-F238E27FC236}">
-                <a16:creationId xmlns:a16="http://schemas.microsoft.com/office/drawing/2014/main" id="{64FE35CC-EB6D-00E2-7A75-271EBB3062F2}"/>
+                <a16:creationId xmlns:a16="http://schemas.microsoft.com/office/drawing/2014/main" id="{511DB0D5-19EA-491D-F690-E4EDD2CD80D1}"/>
               </a:ext>
             </a:extLst>
           </p:cNvPr>
@@ -990,7 +990,7 @@
           <p:cNvPr id="3" name="文本占位符 2">
             <a:extLst>
               <a:ext uri="{FF2B5EF4-FFF2-40B4-BE49-F238E27FC236}">
-                <a16:creationId xmlns:a16="http://schemas.microsoft.com/office/drawing/2014/main" id="{26EFEDAD-34D6-14A7-3C1D-E7F3F48DFD91}"/>
+                <a16:creationId xmlns:a16="http://schemas.microsoft.com/office/drawing/2014/main" id="{724B0579-E17D-EF74-F88C-1BC965850038}"/>
               </a:ext>
             </a:extLst>
           </p:cNvPr>
@@ -1115,7 +1115,7 @@
           <p:cNvPr id="4" name="日期占位符 3">
             <a:extLst>
               <a:ext uri="{FF2B5EF4-FFF2-40B4-BE49-F238E27FC236}">
-                <a16:creationId xmlns:a16="http://schemas.microsoft.com/office/drawing/2014/main" id="{12CF999E-20F5-4B52-67DF-9985F192065C}"/>
+                <a16:creationId xmlns:a16="http://schemas.microsoft.com/office/drawing/2014/main" id="{47D9EE42-5E7F-B8DA-8637-C6DE5D2B60C9}"/>
               </a:ext>
             </a:extLst>
           </p:cNvPr>
@@ -1131,7 +1131,7 @@
           <a:bodyPr/>
           <a:lstStyle/>
           <a:p>
-            <a:fld id="{0F2E3269-E4FB-457F-AFDB-F5A6DAE00073}" type="datetimeFigureOut">
+            <a:fld id="{0F4EF38C-B337-4F1D-ABAA-07250A91FE0A}" type="datetimeFigureOut">
               <a:rPr lang="zh-CN" altLang="en-US" smtClean="0"/>
               <a:t>2024/3/10</a:t>
             </a:fld>
@@ -1144,7 +1144,7 @@
           <p:cNvPr id="5" name="页脚占位符 4">
             <a:extLst>
               <a:ext uri="{FF2B5EF4-FFF2-40B4-BE49-F238E27FC236}">
-                <a16:creationId xmlns:a16="http://schemas.microsoft.com/office/drawing/2014/main" id="{38C8EAF9-862A-9398-65B2-32C524838C2F}"/>
+                <a16:creationId xmlns:a16="http://schemas.microsoft.com/office/drawing/2014/main" id="{0D134D33-957D-DEF6-636F-422A7663BD8A}"/>
               </a:ext>
             </a:extLst>
           </p:cNvPr>
@@ -1169,7 +1169,7 @@
           <p:cNvPr id="6" name="灯片编号占位符 5">
             <a:extLst>
               <a:ext uri="{FF2B5EF4-FFF2-40B4-BE49-F238E27FC236}">
-                <a16:creationId xmlns:a16="http://schemas.microsoft.com/office/drawing/2014/main" id="{D806D8FD-10A3-D148-F8E3-8CF7343A9F2B}"/>
+                <a16:creationId xmlns:a16="http://schemas.microsoft.com/office/drawing/2014/main" id="{E3284602-8C2A-9950-A287-FAFD744A49B4}"/>
               </a:ext>
             </a:extLst>
           </p:cNvPr>
@@ -1185,7 +1185,7 @@
           <a:bodyPr/>
           <a:lstStyle/>
           <a:p>
-            <a:fld id="{4118B861-56E0-4DD6-ACF2-1DBBB3A256F3}" type="slidenum">
+            <a:fld id="{9EDD6FB1-2DF4-4075-90AE-DF2CE252F62D}" type="slidenum">
               <a:rPr lang="zh-CN" altLang="en-US" smtClean="0"/>
               <a:t>‹#›</a:t>
             </a:fld>
@@ -1196,7 +1196,7 @@
     </p:spTree>
     <p:extLst>
       <p:ext uri="{BB962C8B-B14F-4D97-AF65-F5344CB8AC3E}">
-        <p14:creationId xmlns:p14="http://schemas.microsoft.com/office/powerpoint/2010/main" val="830756003"/>
+        <p14:creationId xmlns:p14="http://schemas.microsoft.com/office/powerpoint/2010/main" val="2731688467"/>
       </p:ext>
     </p:extLst>
   </p:cSld>
@@ -1228,7 +1228,7 @@
           <p:cNvPr id="2" name="标题 1">
             <a:extLst>
               <a:ext uri="{FF2B5EF4-FFF2-40B4-BE49-F238E27FC236}">
-                <a16:creationId xmlns:a16="http://schemas.microsoft.com/office/drawing/2014/main" id="{708A9521-F355-00CF-AA84-081F23C0A91A}"/>
+                <a16:creationId xmlns:a16="http://schemas.microsoft.com/office/drawing/2014/main" id="{B28739B6-19B8-94F1-51FA-D1AB9144F22C}"/>
               </a:ext>
             </a:extLst>
           </p:cNvPr>
@@ -1256,7 +1256,7 @@
           <p:cNvPr id="3" name="内容占位符 2">
             <a:extLst>
               <a:ext uri="{FF2B5EF4-FFF2-40B4-BE49-F238E27FC236}">
-                <a16:creationId xmlns:a16="http://schemas.microsoft.com/office/drawing/2014/main" id="{AB29AEBF-F5E6-A318-0DD3-06DCFDD7D4D6}"/>
+                <a16:creationId xmlns:a16="http://schemas.microsoft.com/office/drawing/2014/main" id="{60A4D5B3-F905-D9D2-2D20-F6AFC0173114}"/>
               </a:ext>
             </a:extLst>
           </p:cNvPr>
@@ -1318,7 +1318,7 @@
           <p:cNvPr id="4" name="内容占位符 3">
             <a:extLst>
               <a:ext uri="{FF2B5EF4-FFF2-40B4-BE49-F238E27FC236}">
-                <a16:creationId xmlns:a16="http://schemas.microsoft.com/office/drawing/2014/main" id="{890509CD-1D73-3E6B-8D1D-4F05F943624D}"/>
+                <a16:creationId xmlns:a16="http://schemas.microsoft.com/office/drawing/2014/main" id="{44A7E2B5-57CF-98AD-0A80-972F09C05F28}"/>
               </a:ext>
             </a:extLst>
           </p:cNvPr>
@@ -1380,7 +1380,7 @@
           <p:cNvPr id="5" name="日期占位符 4">
             <a:extLst>
               <a:ext uri="{FF2B5EF4-FFF2-40B4-BE49-F238E27FC236}">
-                <a16:creationId xmlns:a16="http://schemas.microsoft.com/office/drawing/2014/main" id="{B7655E03-EED7-F60E-D8EC-2C1D2C2807C9}"/>
+                <a16:creationId xmlns:a16="http://schemas.microsoft.com/office/drawing/2014/main" id="{DDCAE2F9-FFF2-A01E-62C3-FD14D502BE0D}"/>
               </a:ext>
             </a:extLst>
           </p:cNvPr>
@@ -1396,7 +1396,7 @@
           <a:bodyPr/>
           <a:lstStyle/>
           <a:p>
-            <a:fld id="{0F2E3269-E4FB-457F-AFDB-F5A6DAE00073}" type="datetimeFigureOut">
+            <a:fld id="{0F4EF38C-B337-4F1D-ABAA-07250A91FE0A}" type="datetimeFigureOut">
               <a:rPr lang="zh-CN" altLang="en-US" smtClean="0"/>
               <a:t>2024/3/10</a:t>
             </a:fld>
@@ -1409,7 +1409,7 @@
           <p:cNvPr id="6" name="页脚占位符 5">
             <a:extLst>
               <a:ext uri="{FF2B5EF4-FFF2-40B4-BE49-F238E27FC236}">
-                <a16:creationId xmlns:a16="http://schemas.microsoft.com/office/drawing/2014/main" id="{CFC7D8A1-7649-B622-7430-141FCB8DEE9B}"/>
+                <a16:creationId xmlns:a16="http://schemas.microsoft.com/office/drawing/2014/main" id="{4F08127E-C880-71A7-7EFB-69BE2AD8FCBF}"/>
               </a:ext>
             </a:extLst>
           </p:cNvPr>
@@ -1434,7 +1434,7 @@
           <p:cNvPr id="7" name="灯片编号占位符 6">
             <a:extLst>
               <a:ext uri="{FF2B5EF4-FFF2-40B4-BE49-F238E27FC236}">
-                <a16:creationId xmlns:a16="http://schemas.microsoft.com/office/drawing/2014/main" id="{19CC1557-7267-5EDA-335D-ACEFBB07C3AC}"/>
+                <a16:creationId xmlns:a16="http://schemas.microsoft.com/office/drawing/2014/main" id="{6B6892EF-D986-324F-445B-8FE3A51EEA80}"/>
               </a:ext>
             </a:extLst>
           </p:cNvPr>
@@ -1450,7 +1450,7 @@
           <a:bodyPr/>
           <a:lstStyle/>
           <a:p>
-            <a:fld id="{4118B861-56E0-4DD6-ACF2-1DBBB3A256F3}" type="slidenum">
+            <a:fld id="{9EDD6FB1-2DF4-4075-90AE-DF2CE252F62D}" type="slidenum">
               <a:rPr lang="zh-CN" altLang="en-US" smtClean="0"/>
               <a:t>‹#›</a:t>
             </a:fld>
@@ -1461,7 +1461,7 @@
     </p:spTree>
     <p:extLst>
       <p:ext uri="{BB962C8B-B14F-4D97-AF65-F5344CB8AC3E}">
-        <p14:creationId xmlns:p14="http://schemas.microsoft.com/office/powerpoint/2010/main" val="243820433"/>
+        <p14:creationId xmlns:p14="http://schemas.microsoft.com/office/powerpoint/2010/main" val="1107061937"/>
       </p:ext>
     </p:extLst>
   </p:cSld>
@@ -1493,7 +1493,7 @@
           <p:cNvPr id="2" name="标题 1">
             <a:extLst>
               <a:ext uri="{FF2B5EF4-FFF2-40B4-BE49-F238E27FC236}">
-                <a16:creationId xmlns:a16="http://schemas.microsoft.com/office/drawing/2014/main" id="{B47A871C-F327-8DD4-933C-4E7448EA4090}"/>
+                <a16:creationId xmlns:a16="http://schemas.microsoft.com/office/drawing/2014/main" id="{C53721ED-806A-E88F-E4A2-7B0438F3E0D1}"/>
               </a:ext>
             </a:extLst>
           </p:cNvPr>
@@ -1526,7 +1526,7 @@
           <p:cNvPr id="3" name="文本占位符 2">
             <a:extLst>
               <a:ext uri="{FF2B5EF4-FFF2-40B4-BE49-F238E27FC236}">
-                <a16:creationId xmlns:a16="http://schemas.microsoft.com/office/drawing/2014/main" id="{B0DD61EF-7E2E-317B-2728-0683B086FEF7}"/>
+                <a16:creationId xmlns:a16="http://schemas.microsoft.com/office/drawing/2014/main" id="{932D7407-56D4-A866-4586-DA5BB355CA87}"/>
               </a:ext>
             </a:extLst>
           </p:cNvPr>
@@ -1597,7 +1597,7 @@
           <p:cNvPr id="4" name="内容占位符 3">
             <a:extLst>
               <a:ext uri="{FF2B5EF4-FFF2-40B4-BE49-F238E27FC236}">
-                <a16:creationId xmlns:a16="http://schemas.microsoft.com/office/drawing/2014/main" id="{8B92AFA8-5F03-0939-9910-B96255029FAB}"/>
+                <a16:creationId xmlns:a16="http://schemas.microsoft.com/office/drawing/2014/main" id="{36A3C48F-8A12-D714-E4EF-174996BB78C7}"/>
               </a:ext>
             </a:extLst>
           </p:cNvPr>
@@ -1659,7 +1659,7 @@
           <p:cNvPr id="5" name="文本占位符 4">
             <a:extLst>
               <a:ext uri="{FF2B5EF4-FFF2-40B4-BE49-F238E27FC236}">
-                <a16:creationId xmlns:a16="http://schemas.microsoft.com/office/drawing/2014/main" id="{8D5EC7E4-019E-1EDF-3654-5264BEFC595E}"/>
+                <a16:creationId xmlns:a16="http://schemas.microsoft.com/office/drawing/2014/main" id="{BF7E2049-A5CB-A0EB-B7C9-6041039842E1}"/>
               </a:ext>
             </a:extLst>
           </p:cNvPr>
@@ -1730,7 +1730,7 @@
           <p:cNvPr id="6" name="内容占位符 5">
             <a:extLst>
               <a:ext uri="{FF2B5EF4-FFF2-40B4-BE49-F238E27FC236}">
-                <a16:creationId xmlns:a16="http://schemas.microsoft.com/office/drawing/2014/main" id="{63F6F09B-824B-22EE-4D18-362F321035FF}"/>
+                <a16:creationId xmlns:a16="http://schemas.microsoft.com/office/drawing/2014/main" id="{385B4DE8-48F8-56D1-162B-4B8D59389FF9}"/>
               </a:ext>
             </a:extLst>
           </p:cNvPr>
@@ -1792,7 +1792,7 @@
           <p:cNvPr id="7" name="日期占位符 6">
             <a:extLst>
               <a:ext uri="{FF2B5EF4-FFF2-40B4-BE49-F238E27FC236}">
-                <a16:creationId xmlns:a16="http://schemas.microsoft.com/office/drawing/2014/main" id="{E03138AE-0446-090E-CF2B-95AB55846134}"/>
+                <a16:creationId xmlns:a16="http://schemas.microsoft.com/office/drawing/2014/main" id="{8D5C6CD8-DEB6-FF7C-B8E8-C60EDACE78E5}"/>
               </a:ext>
             </a:extLst>
           </p:cNvPr>
@@ -1808,7 +1808,7 @@
           <a:bodyPr/>
           <a:lstStyle/>
           <a:p>
-            <a:fld id="{0F2E3269-E4FB-457F-AFDB-F5A6DAE00073}" type="datetimeFigureOut">
+            <a:fld id="{0F4EF38C-B337-4F1D-ABAA-07250A91FE0A}" type="datetimeFigureOut">
               <a:rPr lang="zh-CN" altLang="en-US" smtClean="0"/>
               <a:t>2024/3/10</a:t>
             </a:fld>
@@ -1821,7 +1821,7 @@
           <p:cNvPr id="8" name="页脚占位符 7">
             <a:extLst>
               <a:ext uri="{FF2B5EF4-FFF2-40B4-BE49-F238E27FC236}">
-                <a16:creationId xmlns:a16="http://schemas.microsoft.com/office/drawing/2014/main" id="{3E0EA982-EEDF-7350-311C-E62351F3F19F}"/>
+                <a16:creationId xmlns:a16="http://schemas.microsoft.com/office/drawing/2014/main" id="{CC1F18F4-89BD-0D15-C29E-AF096CD1D835}"/>
               </a:ext>
             </a:extLst>
           </p:cNvPr>
@@ -1846,7 +1846,7 @@
           <p:cNvPr id="9" name="灯片编号占位符 8">
             <a:extLst>
               <a:ext uri="{FF2B5EF4-FFF2-40B4-BE49-F238E27FC236}">
-                <a16:creationId xmlns:a16="http://schemas.microsoft.com/office/drawing/2014/main" id="{FC937BC9-3D32-6D74-43CA-46CBC5F34B60}"/>
+                <a16:creationId xmlns:a16="http://schemas.microsoft.com/office/drawing/2014/main" id="{A22A9ADF-F1C9-51FF-62A6-E651EC83147D}"/>
               </a:ext>
             </a:extLst>
           </p:cNvPr>
@@ -1862,7 +1862,7 @@
           <a:bodyPr/>
           <a:lstStyle/>
           <a:p>
-            <a:fld id="{4118B861-56E0-4DD6-ACF2-1DBBB3A256F3}" type="slidenum">
+            <a:fld id="{9EDD6FB1-2DF4-4075-90AE-DF2CE252F62D}" type="slidenum">
               <a:rPr lang="zh-CN" altLang="en-US" smtClean="0"/>
               <a:t>‹#›</a:t>
             </a:fld>
@@ -1873,7 +1873,7 @@
     </p:spTree>
     <p:extLst>
       <p:ext uri="{BB962C8B-B14F-4D97-AF65-F5344CB8AC3E}">
-        <p14:creationId xmlns:p14="http://schemas.microsoft.com/office/powerpoint/2010/main" val="2550300285"/>
+        <p14:creationId xmlns:p14="http://schemas.microsoft.com/office/powerpoint/2010/main" val="2358666949"/>
       </p:ext>
     </p:extLst>
   </p:cSld>
@@ -1905,7 +1905,7 @@
           <p:cNvPr id="2" name="标题 1">
             <a:extLst>
               <a:ext uri="{FF2B5EF4-FFF2-40B4-BE49-F238E27FC236}">
-                <a16:creationId xmlns:a16="http://schemas.microsoft.com/office/drawing/2014/main" id="{B793613E-51DB-1371-DA4B-FD0EDB0D318A}"/>
+                <a16:creationId xmlns:a16="http://schemas.microsoft.com/office/drawing/2014/main" id="{F83FC9F9-8990-A509-C1BB-CEE209FE1375}"/>
               </a:ext>
             </a:extLst>
           </p:cNvPr>
@@ -1933,7 +1933,7 @@
           <p:cNvPr id="3" name="日期占位符 2">
             <a:extLst>
               <a:ext uri="{FF2B5EF4-FFF2-40B4-BE49-F238E27FC236}">
-                <a16:creationId xmlns:a16="http://schemas.microsoft.com/office/drawing/2014/main" id="{6FF13F80-65BC-2106-1135-49BBE70F4771}"/>
+                <a16:creationId xmlns:a16="http://schemas.microsoft.com/office/drawing/2014/main" id="{29CA8FB0-529F-1FE7-017E-9446CE82A6F6}"/>
               </a:ext>
             </a:extLst>
           </p:cNvPr>
@@ -1949,7 +1949,7 @@
           <a:bodyPr/>
           <a:lstStyle/>
           <a:p>
-            <a:fld id="{0F2E3269-E4FB-457F-AFDB-F5A6DAE00073}" type="datetimeFigureOut">
+            <a:fld id="{0F4EF38C-B337-4F1D-ABAA-07250A91FE0A}" type="datetimeFigureOut">
               <a:rPr lang="zh-CN" altLang="en-US" smtClean="0"/>
               <a:t>2024/3/10</a:t>
             </a:fld>
@@ -1962,7 +1962,7 @@
           <p:cNvPr id="4" name="页脚占位符 3">
             <a:extLst>
               <a:ext uri="{FF2B5EF4-FFF2-40B4-BE49-F238E27FC236}">
-                <a16:creationId xmlns:a16="http://schemas.microsoft.com/office/drawing/2014/main" id="{6CF944EC-7845-9FDF-0FA9-565AE3CE752C}"/>
+                <a16:creationId xmlns:a16="http://schemas.microsoft.com/office/drawing/2014/main" id="{A48BC234-0BDD-FE2F-E885-C6912462F2D8}"/>
               </a:ext>
             </a:extLst>
           </p:cNvPr>
@@ -1987,7 +1987,7 @@
           <p:cNvPr id="5" name="灯片编号占位符 4">
             <a:extLst>
               <a:ext uri="{FF2B5EF4-FFF2-40B4-BE49-F238E27FC236}">
-                <a16:creationId xmlns:a16="http://schemas.microsoft.com/office/drawing/2014/main" id="{B43016FA-BD2F-E18D-C673-356E9ACA762D}"/>
+                <a16:creationId xmlns:a16="http://schemas.microsoft.com/office/drawing/2014/main" id="{10FD118D-976A-324B-2935-A120C3D41C1C}"/>
               </a:ext>
             </a:extLst>
           </p:cNvPr>
@@ -2003,7 +2003,7 @@
           <a:bodyPr/>
           <a:lstStyle/>
           <a:p>
-            <a:fld id="{4118B861-56E0-4DD6-ACF2-1DBBB3A256F3}" type="slidenum">
+            <a:fld id="{9EDD6FB1-2DF4-4075-90AE-DF2CE252F62D}" type="slidenum">
               <a:rPr lang="zh-CN" altLang="en-US" smtClean="0"/>
               <a:t>‹#›</a:t>
             </a:fld>
@@ -2014,7 +2014,7 @@
     </p:spTree>
     <p:extLst>
       <p:ext uri="{BB962C8B-B14F-4D97-AF65-F5344CB8AC3E}">
-        <p14:creationId xmlns:p14="http://schemas.microsoft.com/office/powerpoint/2010/main" val="665623299"/>
+        <p14:creationId xmlns:p14="http://schemas.microsoft.com/office/powerpoint/2010/main" val="3722972055"/>
       </p:ext>
     </p:extLst>
   </p:cSld>
@@ -2046,7 +2046,7 @@
           <p:cNvPr id="2" name="日期占位符 1">
             <a:extLst>
               <a:ext uri="{FF2B5EF4-FFF2-40B4-BE49-F238E27FC236}">
-                <a16:creationId xmlns:a16="http://schemas.microsoft.com/office/drawing/2014/main" id="{FF213146-FEA0-89EB-07EE-E376AF291231}"/>
+                <a16:creationId xmlns:a16="http://schemas.microsoft.com/office/drawing/2014/main" id="{2AA07CB7-A4AE-780B-6DBC-EF71B66319E7}"/>
               </a:ext>
             </a:extLst>
           </p:cNvPr>
@@ -2062,7 +2062,7 @@
           <a:bodyPr/>
           <a:lstStyle/>
           <a:p>
-            <a:fld id="{0F2E3269-E4FB-457F-AFDB-F5A6DAE00073}" type="datetimeFigureOut">
+            <a:fld id="{0F4EF38C-B337-4F1D-ABAA-07250A91FE0A}" type="datetimeFigureOut">
               <a:rPr lang="zh-CN" altLang="en-US" smtClean="0"/>
               <a:t>2024/3/10</a:t>
             </a:fld>
@@ -2075,7 +2075,7 @@
           <p:cNvPr id="3" name="页脚占位符 2">
             <a:extLst>
               <a:ext uri="{FF2B5EF4-FFF2-40B4-BE49-F238E27FC236}">
-                <a16:creationId xmlns:a16="http://schemas.microsoft.com/office/drawing/2014/main" id="{A889FF92-48E7-DD59-0C2D-7EA7458A07E0}"/>
+                <a16:creationId xmlns:a16="http://schemas.microsoft.com/office/drawing/2014/main" id="{7CC843C9-348E-D824-2F6D-DBD55C3979E3}"/>
               </a:ext>
             </a:extLst>
           </p:cNvPr>
@@ -2100,7 +2100,7 @@
           <p:cNvPr id="4" name="灯片编号占位符 3">
             <a:extLst>
               <a:ext uri="{FF2B5EF4-FFF2-40B4-BE49-F238E27FC236}">
-                <a16:creationId xmlns:a16="http://schemas.microsoft.com/office/drawing/2014/main" id="{FADE10A0-DFB3-4280-E072-3F2C6A99D26D}"/>
+                <a16:creationId xmlns:a16="http://schemas.microsoft.com/office/drawing/2014/main" id="{37FC997C-F83D-E633-A77F-4E326F4843DC}"/>
               </a:ext>
             </a:extLst>
           </p:cNvPr>
@@ -2116,7 +2116,7 @@
           <a:bodyPr/>
           <a:lstStyle/>
           <a:p>
-            <a:fld id="{4118B861-56E0-4DD6-ACF2-1DBBB3A256F3}" type="slidenum">
+            <a:fld id="{9EDD6FB1-2DF4-4075-90AE-DF2CE252F62D}" type="slidenum">
               <a:rPr lang="zh-CN" altLang="en-US" smtClean="0"/>
               <a:t>‹#›</a:t>
             </a:fld>
@@ -2127,7 +2127,7 @@
     </p:spTree>
     <p:extLst>
       <p:ext uri="{BB962C8B-B14F-4D97-AF65-F5344CB8AC3E}">
-        <p14:creationId xmlns:p14="http://schemas.microsoft.com/office/powerpoint/2010/main" val="1571323993"/>
+        <p14:creationId xmlns:p14="http://schemas.microsoft.com/office/powerpoint/2010/main" val="1358128604"/>
       </p:ext>
     </p:extLst>
   </p:cSld>
@@ -2159,7 +2159,7 @@
           <p:cNvPr id="2" name="标题 1">
             <a:extLst>
               <a:ext uri="{FF2B5EF4-FFF2-40B4-BE49-F238E27FC236}">
-                <a16:creationId xmlns:a16="http://schemas.microsoft.com/office/drawing/2014/main" id="{B4307DF3-F327-7B84-9947-D40BC3680413}"/>
+                <a16:creationId xmlns:a16="http://schemas.microsoft.com/office/drawing/2014/main" id="{3891B4E8-93A6-1ED2-D6E6-835A4B289D20}"/>
               </a:ext>
             </a:extLst>
           </p:cNvPr>
@@ -2196,7 +2196,7 @@
           <p:cNvPr id="3" name="内容占位符 2">
             <a:extLst>
               <a:ext uri="{FF2B5EF4-FFF2-40B4-BE49-F238E27FC236}">
-                <a16:creationId xmlns:a16="http://schemas.microsoft.com/office/drawing/2014/main" id="{DE54BC0B-0A6A-0274-1E75-0E117B7B29D9}"/>
+                <a16:creationId xmlns:a16="http://schemas.microsoft.com/office/drawing/2014/main" id="{C09C909A-911C-0A13-48BC-E9E680224BD8}"/>
               </a:ext>
             </a:extLst>
           </p:cNvPr>
@@ -2286,7 +2286,7 @@
           <p:cNvPr id="4" name="文本占位符 3">
             <a:extLst>
               <a:ext uri="{FF2B5EF4-FFF2-40B4-BE49-F238E27FC236}">
-                <a16:creationId xmlns:a16="http://schemas.microsoft.com/office/drawing/2014/main" id="{7375315E-600C-6D43-42DA-0675AF9B4083}"/>
+                <a16:creationId xmlns:a16="http://schemas.microsoft.com/office/drawing/2014/main" id="{B72FC6A5-C8E0-F93A-91A4-6A11247C0B18}"/>
               </a:ext>
             </a:extLst>
           </p:cNvPr>
@@ -2357,7 +2357,7 @@
           <p:cNvPr id="5" name="日期占位符 4">
             <a:extLst>
               <a:ext uri="{FF2B5EF4-FFF2-40B4-BE49-F238E27FC236}">
-                <a16:creationId xmlns:a16="http://schemas.microsoft.com/office/drawing/2014/main" id="{7BECD707-5F64-8AA0-8715-2790C516999A}"/>
+                <a16:creationId xmlns:a16="http://schemas.microsoft.com/office/drawing/2014/main" id="{4976E9B3-057B-8DF5-FCA3-8735407152D6}"/>
               </a:ext>
             </a:extLst>
           </p:cNvPr>
@@ -2373,7 +2373,7 @@
           <a:bodyPr/>
           <a:lstStyle/>
           <a:p>
-            <a:fld id="{0F2E3269-E4FB-457F-AFDB-F5A6DAE00073}" type="datetimeFigureOut">
+            <a:fld id="{0F4EF38C-B337-4F1D-ABAA-07250A91FE0A}" type="datetimeFigureOut">
               <a:rPr lang="zh-CN" altLang="en-US" smtClean="0"/>
               <a:t>2024/3/10</a:t>
             </a:fld>
@@ -2386,7 +2386,7 @@
           <p:cNvPr id="6" name="页脚占位符 5">
             <a:extLst>
               <a:ext uri="{FF2B5EF4-FFF2-40B4-BE49-F238E27FC236}">
-                <a16:creationId xmlns:a16="http://schemas.microsoft.com/office/drawing/2014/main" id="{718CE68C-E199-939F-CF77-DBEFD4F8E78D}"/>
+                <a16:creationId xmlns:a16="http://schemas.microsoft.com/office/drawing/2014/main" id="{6B2452CD-B150-A31F-1EB3-5D03B33A3A9B}"/>
               </a:ext>
             </a:extLst>
           </p:cNvPr>
@@ -2411,7 +2411,7 @@
           <p:cNvPr id="7" name="灯片编号占位符 6">
             <a:extLst>
               <a:ext uri="{FF2B5EF4-FFF2-40B4-BE49-F238E27FC236}">
-                <a16:creationId xmlns:a16="http://schemas.microsoft.com/office/drawing/2014/main" id="{5DD51B27-A2C9-F403-B83D-AC09D7FC6265}"/>
+                <a16:creationId xmlns:a16="http://schemas.microsoft.com/office/drawing/2014/main" id="{594402F8-595A-EF74-F93E-B7A3D8DAE5D7}"/>
               </a:ext>
             </a:extLst>
           </p:cNvPr>
@@ -2427,7 +2427,7 @@
           <a:bodyPr/>
           <a:lstStyle/>
           <a:p>
-            <a:fld id="{4118B861-56E0-4DD6-ACF2-1DBBB3A256F3}" type="slidenum">
+            <a:fld id="{9EDD6FB1-2DF4-4075-90AE-DF2CE252F62D}" type="slidenum">
               <a:rPr lang="zh-CN" altLang="en-US" smtClean="0"/>
               <a:t>‹#›</a:t>
             </a:fld>
@@ -2438,7 +2438,7 @@
     </p:spTree>
     <p:extLst>
       <p:ext uri="{BB962C8B-B14F-4D97-AF65-F5344CB8AC3E}">
-        <p14:creationId xmlns:p14="http://schemas.microsoft.com/office/powerpoint/2010/main" val="1107767465"/>
+        <p14:creationId xmlns:p14="http://schemas.microsoft.com/office/powerpoint/2010/main" val="2278850810"/>
       </p:ext>
     </p:extLst>
   </p:cSld>
@@ -2470,7 +2470,7 @@
           <p:cNvPr id="2" name="标题 1">
             <a:extLst>
               <a:ext uri="{FF2B5EF4-FFF2-40B4-BE49-F238E27FC236}">
-                <a16:creationId xmlns:a16="http://schemas.microsoft.com/office/drawing/2014/main" id="{101A4FC3-21A3-EE17-0BE8-4B40B55C0A1A}"/>
+                <a16:creationId xmlns:a16="http://schemas.microsoft.com/office/drawing/2014/main" id="{C38091AB-22AB-DD85-2D4C-3458820F88D3}"/>
               </a:ext>
             </a:extLst>
           </p:cNvPr>
@@ -2507,7 +2507,7 @@
           <p:cNvPr id="3" name="图片占位符 2">
             <a:extLst>
               <a:ext uri="{FF2B5EF4-FFF2-40B4-BE49-F238E27FC236}">
-                <a16:creationId xmlns:a16="http://schemas.microsoft.com/office/drawing/2014/main" id="{34F2817B-A547-6849-CC63-22AF81F0C7E5}"/>
+                <a16:creationId xmlns:a16="http://schemas.microsoft.com/office/drawing/2014/main" id="{DB104638-2912-8A30-5B35-E9C903A300C3}"/>
               </a:ext>
             </a:extLst>
           </p:cNvPr>
@@ -2574,7 +2574,7 @@
           <p:cNvPr id="4" name="文本占位符 3">
             <a:extLst>
               <a:ext uri="{FF2B5EF4-FFF2-40B4-BE49-F238E27FC236}">
-                <a16:creationId xmlns:a16="http://schemas.microsoft.com/office/drawing/2014/main" id="{DC891CFA-5550-C57D-63EB-6529B0F1BA7A}"/>
+                <a16:creationId xmlns:a16="http://schemas.microsoft.com/office/drawing/2014/main" id="{FA494BAE-3E9E-BE18-7793-45150DF087B0}"/>
               </a:ext>
             </a:extLst>
           </p:cNvPr>
@@ -2645,7 +2645,7 @@
           <p:cNvPr id="5" name="日期占位符 4">
             <a:extLst>
               <a:ext uri="{FF2B5EF4-FFF2-40B4-BE49-F238E27FC236}">
-                <a16:creationId xmlns:a16="http://schemas.microsoft.com/office/drawing/2014/main" id="{95E57C21-F0D4-93D2-6519-3B67BD0F3A63}"/>
+                <a16:creationId xmlns:a16="http://schemas.microsoft.com/office/drawing/2014/main" id="{CD2AAFB9-0FCC-80A0-76E9-261452219FDE}"/>
               </a:ext>
             </a:extLst>
           </p:cNvPr>
@@ -2661,7 +2661,7 @@
           <a:bodyPr/>
           <a:lstStyle/>
           <a:p>
-            <a:fld id="{0F2E3269-E4FB-457F-AFDB-F5A6DAE00073}" type="datetimeFigureOut">
+            <a:fld id="{0F4EF38C-B337-4F1D-ABAA-07250A91FE0A}" type="datetimeFigureOut">
               <a:rPr lang="zh-CN" altLang="en-US" smtClean="0"/>
               <a:t>2024/3/10</a:t>
             </a:fld>
@@ -2674,7 +2674,7 @@
           <p:cNvPr id="6" name="页脚占位符 5">
             <a:extLst>
               <a:ext uri="{FF2B5EF4-FFF2-40B4-BE49-F238E27FC236}">
-                <a16:creationId xmlns:a16="http://schemas.microsoft.com/office/drawing/2014/main" id="{7B075BA3-16BF-92D6-041C-EC7EBCDA4809}"/>
+                <a16:creationId xmlns:a16="http://schemas.microsoft.com/office/drawing/2014/main" id="{22127BEB-C04A-4B4C-82DB-27F5EC6A52D5}"/>
               </a:ext>
             </a:extLst>
           </p:cNvPr>
@@ -2699,7 +2699,7 @@
           <p:cNvPr id="7" name="灯片编号占位符 6">
             <a:extLst>
               <a:ext uri="{FF2B5EF4-FFF2-40B4-BE49-F238E27FC236}">
-                <a16:creationId xmlns:a16="http://schemas.microsoft.com/office/drawing/2014/main" id="{63308B3B-C8E7-AA3C-32E8-116DCF8505E7}"/>
+                <a16:creationId xmlns:a16="http://schemas.microsoft.com/office/drawing/2014/main" id="{565996E4-BC3C-9BD0-A5D8-1602B519572A}"/>
               </a:ext>
             </a:extLst>
           </p:cNvPr>
@@ -2715,7 +2715,7 @@
           <a:bodyPr/>
           <a:lstStyle/>
           <a:p>
-            <a:fld id="{4118B861-56E0-4DD6-ACF2-1DBBB3A256F3}" type="slidenum">
+            <a:fld id="{9EDD6FB1-2DF4-4075-90AE-DF2CE252F62D}" type="slidenum">
               <a:rPr lang="zh-CN" altLang="en-US" smtClean="0"/>
               <a:t>‹#›</a:t>
             </a:fld>
@@ -2726,7 +2726,7 @@
     </p:spTree>
     <p:extLst>
       <p:ext uri="{BB962C8B-B14F-4D97-AF65-F5344CB8AC3E}">
-        <p14:creationId xmlns:p14="http://schemas.microsoft.com/office/powerpoint/2010/main" val="2423037933"/>
+        <p14:creationId xmlns:p14="http://schemas.microsoft.com/office/powerpoint/2010/main" val="2521733043"/>
       </p:ext>
     </p:extLst>
   </p:cSld>
@@ -2763,7 +2763,7 @@
           <p:cNvPr id="2" name="标题占位符 1">
             <a:extLst>
               <a:ext uri="{FF2B5EF4-FFF2-40B4-BE49-F238E27FC236}">
-                <a16:creationId xmlns:a16="http://schemas.microsoft.com/office/drawing/2014/main" id="{63CB7411-E108-CD33-5429-6057C8C9947E}"/>
+                <a16:creationId xmlns:a16="http://schemas.microsoft.com/office/drawing/2014/main" id="{7D19847E-8A78-D725-6497-13C826E28215}"/>
               </a:ext>
             </a:extLst>
           </p:cNvPr>
@@ -2801,7 +2801,7 @@
           <p:cNvPr id="3" name="文本占位符 2">
             <a:extLst>
               <a:ext uri="{FF2B5EF4-FFF2-40B4-BE49-F238E27FC236}">
-                <a16:creationId xmlns:a16="http://schemas.microsoft.com/office/drawing/2014/main" id="{81062F46-E0C3-6815-CAFC-6C3F942B86C0}"/>
+                <a16:creationId xmlns:a16="http://schemas.microsoft.com/office/drawing/2014/main" id="{67E00ADD-D6A3-93AE-86DE-8E9815B374D8}"/>
               </a:ext>
             </a:extLst>
           </p:cNvPr>
@@ -2868,7 +2868,7 @@
           <p:cNvPr id="4" name="日期占位符 3">
             <a:extLst>
               <a:ext uri="{FF2B5EF4-FFF2-40B4-BE49-F238E27FC236}">
-                <a16:creationId xmlns:a16="http://schemas.microsoft.com/office/drawing/2014/main" id="{53531138-70A5-1646-95A7-68B527BD97C4}"/>
+                <a16:creationId xmlns:a16="http://schemas.microsoft.com/office/drawing/2014/main" id="{E328F819-2AD0-F859-2BC1-E5598C75AA48}"/>
               </a:ext>
             </a:extLst>
           </p:cNvPr>
@@ -2902,7 +2902,7 @@
             </a:lvl1pPr>
           </a:lstStyle>
           <a:p>
-            <a:fld id="{0F2E3269-E4FB-457F-AFDB-F5A6DAE00073}" type="datetimeFigureOut">
+            <a:fld id="{0F4EF38C-B337-4F1D-ABAA-07250A91FE0A}" type="datetimeFigureOut">
               <a:rPr lang="zh-CN" altLang="en-US" smtClean="0"/>
               <a:t>2024/3/10</a:t>
             </a:fld>
@@ -2915,7 +2915,7 @@
           <p:cNvPr id="5" name="页脚占位符 4">
             <a:extLst>
               <a:ext uri="{FF2B5EF4-FFF2-40B4-BE49-F238E27FC236}">
-                <a16:creationId xmlns:a16="http://schemas.microsoft.com/office/drawing/2014/main" id="{13A4E554-B397-D0D3-64EE-19732480ABAC}"/>
+                <a16:creationId xmlns:a16="http://schemas.microsoft.com/office/drawing/2014/main" id="{6A350EFE-0BB8-8DCA-DD29-4BF61C387CA1}"/>
               </a:ext>
             </a:extLst>
           </p:cNvPr>
@@ -2958,7 +2958,7 @@
           <p:cNvPr id="6" name="灯片编号占位符 5">
             <a:extLst>
               <a:ext uri="{FF2B5EF4-FFF2-40B4-BE49-F238E27FC236}">
-                <a16:creationId xmlns:a16="http://schemas.microsoft.com/office/drawing/2014/main" id="{3536ED3B-7D4E-2F5E-4ACD-426AD596A5AA}"/>
+                <a16:creationId xmlns:a16="http://schemas.microsoft.com/office/drawing/2014/main" id="{0155CF2D-E022-7342-DB54-1129C93586C3}"/>
               </a:ext>
             </a:extLst>
           </p:cNvPr>
@@ -2992,7 +2992,7 @@
             </a:lvl1pPr>
           </a:lstStyle>
           <a:p>
-            <a:fld id="{4118B861-56E0-4DD6-ACF2-1DBBB3A256F3}" type="slidenum">
+            <a:fld id="{9EDD6FB1-2DF4-4075-90AE-DF2CE252F62D}" type="slidenum">
               <a:rPr lang="zh-CN" altLang="en-US" smtClean="0"/>
               <a:t>‹#›</a:t>
             </a:fld>
@@ -3003,7 +3003,7 @@
     </p:spTree>
     <p:extLst>
       <p:ext uri="{BB962C8B-B14F-4D97-AF65-F5344CB8AC3E}">
-        <p14:creationId xmlns:p14="http://schemas.microsoft.com/office/powerpoint/2010/main" val="3156299610"/>
+        <p14:creationId xmlns:p14="http://schemas.microsoft.com/office/powerpoint/2010/main" val="3852800867"/>
       </p:ext>
     </p:extLst>
   </p:cSld>
